--- a/SmartCalc Presentation.pptx
+++ b/SmartCalc Presentation.pptx
@@ -296,6 +296,7 @@
           <a:p>
             <a:fld id="{FD56788C-3948-4CB9-A9DC-7E93E57222E8}" type="datetimeFigureOut">
               <a:rPr lang="en-US" smtClean="0"/>
+              <a:pPr/>
               <a:t>16-Jan-25</a:t>
             </a:fld>
             <a:endParaRPr lang="en-US"/>
@@ -338,6 +339,7 @@
           <a:p>
             <a:fld id="{7AA6CD4A-0AF5-4F88-8484-CE9C8D65BF1D}" type="slidenum">
               <a:rPr lang="en-US" smtClean="0"/>
+              <a:pPr/>
               <a:t>‹#›</a:t>
             </a:fld>
             <a:endParaRPr lang="en-US"/>
@@ -461,6 +463,7 @@
           <a:p>
             <a:fld id="{FD56788C-3948-4CB9-A9DC-7E93E57222E8}" type="datetimeFigureOut">
               <a:rPr lang="en-US" smtClean="0"/>
+              <a:pPr/>
               <a:t>16-Jan-25</a:t>
             </a:fld>
             <a:endParaRPr lang="en-US"/>
@@ -503,6 +506,7 @@
           <a:p>
             <a:fld id="{7AA6CD4A-0AF5-4F88-8484-CE9C8D65BF1D}" type="slidenum">
               <a:rPr lang="en-US" smtClean="0"/>
+              <a:pPr/>
               <a:t>‹#›</a:t>
             </a:fld>
             <a:endParaRPr lang="en-US"/>
@@ -636,6 +640,7 @@
           <a:p>
             <a:fld id="{FD56788C-3948-4CB9-A9DC-7E93E57222E8}" type="datetimeFigureOut">
               <a:rPr lang="en-US" smtClean="0"/>
+              <a:pPr/>
               <a:t>16-Jan-25</a:t>
             </a:fld>
             <a:endParaRPr lang="en-US"/>
@@ -678,6 +683,7 @@
           <a:p>
             <a:fld id="{7AA6CD4A-0AF5-4F88-8484-CE9C8D65BF1D}" type="slidenum">
               <a:rPr lang="en-US" smtClean="0"/>
+              <a:pPr/>
               <a:t>‹#›</a:t>
             </a:fld>
             <a:endParaRPr lang="en-US"/>
@@ -801,6 +807,7 @@
           <a:p>
             <a:fld id="{FD56788C-3948-4CB9-A9DC-7E93E57222E8}" type="datetimeFigureOut">
               <a:rPr lang="en-US" smtClean="0"/>
+              <a:pPr/>
               <a:t>16-Jan-25</a:t>
             </a:fld>
             <a:endParaRPr lang="en-US"/>
@@ -843,6 +850,7 @@
           <a:p>
             <a:fld id="{7AA6CD4A-0AF5-4F88-8484-CE9C8D65BF1D}" type="slidenum">
               <a:rPr lang="en-US" smtClean="0"/>
+              <a:pPr/>
               <a:t>‹#›</a:t>
             </a:fld>
             <a:endParaRPr lang="en-US"/>
@@ -1042,6 +1050,7 @@
           <a:p>
             <a:fld id="{FD56788C-3948-4CB9-A9DC-7E93E57222E8}" type="datetimeFigureOut">
               <a:rPr lang="en-US" smtClean="0"/>
+              <a:pPr/>
               <a:t>16-Jan-25</a:t>
             </a:fld>
             <a:endParaRPr lang="en-US"/>
@@ -1084,6 +1093,7 @@
           <a:p>
             <a:fld id="{7AA6CD4A-0AF5-4F88-8484-CE9C8D65BF1D}" type="slidenum">
               <a:rPr lang="en-US" smtClean="0"/>
+              <a:pPr/>
               <a:t>‹#›</a:t>
             </a:fld>
             <a:endParaRPr lang="en-US"/>
@@ -1325,6 +1335,7 @@
           <a:p>
             <a:fld id="{FD56788C-3948-4CB9-A9DC-7E93E57222E8}" type="datetimeFigureOut">
               <a:rPr lang="en-US" smtClean="0"/>
+              <a:pPr/>
               <a:t>16-Jan-25</a:t>
             </a:fld>
             <a:endParaRPr lang="en-US"/>
@@ -1367,6 +1378,7 @@
           <a:p>
             <a:fld id="{7AA6CD4A-0AF5-4F88-8484-CE9C8D65BF1D}" type="slidenum">
               <a:rPr lang="en-US" smtClean="0"/>
+              <a:pPr/>
               <a:t>‹#›</a:t>
             </a:fld>
             <a:endParaRPr lang="en-US"/>
@@ -1742,6 +1754,7 @@
           <a:p>
             <a:fld id="{FD56788C-3948-4CB9-A9DC-7E93E57222E8}" type="datetimeFigureOut">
               <a:rPr lang="en-US" smtClean="0"/>
+              <a:pPr/>
               <a:t>16-Jan-25</a:t>
             </a:fld>
             <a:endParaRPr lang="en-US"/>
@@ -1784,6 +1797,7 @@
           <a:p>
             <a:fld id="{7AA6CD4A-0AF5-4F88-8484-CE9C8D65BF1D}" type="slidenum">
               <a:rPr lang="en-US" smtClean="0"/>
+              <a:pPr/>
               <a:t>‹#›</a:t>
             </a:fld>
             <a:endParaRPr lang="en-US"/>
@@ -1855,6 +1869,7 @@
           <a:p>
             <a:fld id="{FD56788C-3948-4CB9-A9DC-7E93E57222E8}" type="datetimeFigureOut">
               <a:rPr lang="en-US" smtClean="0"/>
+              <a:pPr/>
               <a:t>16-Jan-25</a:t>
             </a:fld>
             <a:endParaRPr lang="en-US"/>
@@ -1897,6 +1912,7 @@
           <a:p>
             <a:fld id="{7AA6CD4A-0AF5-4F88-8484-CE9C8D65BF1D}" type="slidenum">
               <a:rPr lang="en-US" smtClean="0"/>
+              <a:pPr/>
               <a:t>‹#›</a:t>
             </a:fld>
             <a:endParaRPr lang="en-US"/>
@@ -1945,6 +1961,7 @@
           <a:p>
             <a:fld id="{FD56788C-3948-4CB9-A9DC-7E93E57222E8}" type="datetimeFigureOut">
               <a:rPr lang="en-US" smtClean="0"/>
+              <a:pPr/>
               <a:t>16-Jan-25</a:t>
             </a:fld>
             <a:endParaRPr lang="en-US"/>
@@ -1987,6 +2004,7 @@
           <a:p>
             <a:fld id="{7AA6CD4A-0AF5-4F88-8484-CE9C8D65BF1D}" type="slidenum">
               <a:rPr lang="en-US" smtClean="0"/>
+              <a:pPr/>
               <a:t>‹#›</a:t>
             </a:fld>
             <a:endParaRPr lang="en-US"/>
@@ -2217,6 +2235,7 @@
           <a:p>
             <a:fld id="{FD56788C-3948-4CB9-A9DC-7E93E57222E8}" type="datetimeFigureOut">
               <a:rPr lang="en-US" smtClean="0"/>
+              <a:pPr/>
               <a:t>16-Jan-25</a:t>
             </a:fld>
             <a:endParaRPr lang="en-US"/>
@@ -2259,6 +2278,7 @@
           <a:p>
             <a:fld id="{7AA6CD4A-0AF5-4F88-8484-CE9C8D65BF1D}" type="slidenum">
               <a:rPr lang="en-US" smtClean="0"/>
+              <a:pPr/>
               <a:t>‹#›</a:t>
             </a:fld>
             <a:endParaRPr lang="en-US"/>
@@ -2465,6 +2485,7 @@
           <a:p>
             <a:fld id="{FD56788C-3948-4CB9-A9DC-7E93E57222E8}" type="datetimeFigureOut">
               <a:rPr lang="en-US" smtClean="0"/>
+              <a:pPr/>
               <a:t>16-Jan-25</a:t>
             </a:fld>
             <a:endParaRPr lang="en-US"/>
@@ -2507,6 +2528,7 @@
           <a:p>
             <a:fld id="{7AA6CD4A-0AF5-4F88-8484-CE9C8D65BF1D}" type="slidenum">
               <a:rPr lang="en-US" smtClean="0"/>
+              <a:pPr/>
               <a:t>‹#›</a:t>
             </a:fld>
             <a:endParaRPr lang="en-US"/>
@@ -2679,6 +2701,7 @@
           <a:p>
             <a:fld id="{FD56788C-3948-4CB9-A9DC-7E93E57222E8}" type="datetimeFigureOut">
               <a:rPr lang="en-US" smtClean="0"/>
+              <a:pPr/>
               <a:t>16-Jan-25</a:t>
             </a:fld>
             <a:endParaRPr lang="en-US"/>
@@ -2757,6 +2780,7 @@
           <a:p>
             <a:fld id="{7AA6CD4A-0AF5-4F88-8484-CE9C8D65BF1D}" type="slidenum">
               <a:rPr lang="en-US" smtClean="0"/>
+              <a:pPr/>
               <a:t>‹#›</a:t>
             </a:fld>
             <a:endParaRPr lang="en-US"/>
@@ -4007,33 +4031,8 @@
                 <a:ea typeface="Calibri Light" pitchFamily="34" charset="0"/>
                 <a:cs typeface="Calibri Light" pitchFamily="34" charset="0"/>
               </a:rPr>
-              <a:t>Firebase A</a:t>
-            </a:r>
-            <a:r>
-              <a:rPr lang="en-US" sz="2400" b="1" dirty="0" smtClean="0">
-                <a:solidFill>
-                  <a:schemeClr val="tx1">
-                    <a:lumMod val="95000"/>
-                    <a:lumOff val="5000"/>
-                  </a:schemeClr>
-                </a:solidFill>
-                <a:latin typeface="Calibri Light" pitchFamily="34" charset="0"/>
-                <a:ea typeface="Calibri Light" pitchFamily="34" charset="0"/>
-                <a:cs typeface="Calibri Light" pitchFamily="34" charset="0"/>
-              </a:rPr>
-              <a:t>uthentication</a:t>
-            </a:r>
-            <a:endParaRPr lang="en-US" sz="2400" b="1" dirty="0" smtClean="0">
-              <a:solidFill>
-                <a:schemeClr val="tx1">
-                  <a:lumMod val="95000"/>
-                  <a:lumOff val="5000"/>
-                </a:schemeClr>
-              </a:solidFill>
-              <a:latin typeface="Calibri Light" pitchFamily="34" charset="0"/>
-              <a:ea typeface="Calibri Light" pitchFamily="34" charset="0"/>
-              <a:cs typeface="Calibri Light" pitchFamily="34" charset="0"/>
-            </a:endParaRPr>
+              <a:t>Firebase Authentication</a:t>
+            </a:r>
           </a:p>
           <a:p>
             <a:pPr algn="l">
@@ -4597,8 +4596,21 @@
                 <a:ea typeface="Calibri" pitchFamily="34" charset="0"/>
                 <a:cs typeface="Calibri" pitchFamily="34" charset="0"/>
               </a:rPr>
-              <a:t> is used to design    user interface</a:t>
-            </a:r>
+              <a:t> is used to design    user </a:t>
+            </a:r>
+            <a:r>
+              <a:rPr lang="en-US" sz="1800" dirty="0" smtClean="0">
+                <a:latin typeface="Calibri" pitchFamily="34" charset="0"/>
+                <a:ea typeface="Calibri" pitchFamily="34" charset="0"/>
+                <a:cs typeface="Calibri" pitchFamily="34" charset="0"/>
+              </a:rPr>
+              <a:t>interface.</a:t>
+            </a:r>
+            <a:endParaRPr lang="en-US" sz="1800" dirty="0" smtClean="0">
+              <a:latin typeface="Calibri" pitchFamily="34" charset="0"/>
+              <a:ea typeface="Calibri" pitchFamily="34" charset="0"/>
+              <a:cs typeface="Calibri" pitchFamily="34" charset="0"/>
+            </a:endParaRPr>
           </a:p>
           <a:p>
             <a:pPr>
@@ -5122,20 +5134,12 @@
               <a:t> Compares with previous data to provide update and health </a:t>
             </a:r>
             <a:r>
-              <a:rPr lang="en-US" sz="1800" dirty="0" err="1" smtClean="0">
-                <a:latin typeface="Calibri" pitchFamily="34" charset="0"/>
-                <a:ea typeface="Calibri" pitchFamily="34" charset="0"/>
-                <a:cs typeface="Calibri" pitchFamily="34" charset="0"/>
-              </a:rPr>
-              <a:t>waring</a:t>
-            </a:r>
-            <a:r>
               <a:rPr lang="en-US" sz="1800" dirty="0" smtClean="0">
                 <a:latin typeface="Calibri" pitchFamily="34" charset="0"/>
                 <a:ea typeface="Calibri" pitchFamily="34" charset="0"/>
                 <a:cs typeface="Calibri" pitchFamily="34" charset="0"/>
               </a:rPr>
-              <a:t>.</a:t>
+              <a:t>warning.</a:t>
             </a:r>
             <a:endParaRPr lang="en-US" sz="1800" dirty="0">
               <a:latin typeface="Calibri" pitchFamily="34" charset="0"/>
@@ -5336,7 +5340,23 @@
                 <a:ea typeface="Calibri" pitchFamily="34" charset="0"/>
                 <a:cs typeface="Calibri" pitchFamily="34" charset="0"/>
               </a:rPr>
-              <a:t>Rapid API</a:t>
+              <a:t>Rapid </a:t>
+            </a:r>
+            <a:r>
+              <a:rPr lang="en-US" sz="1800" b="1" dirty="0" smtClean="0">
+                <a:latin typeface="Calibri" pitchFamily="34" charset="0"/>
+                <a:ea typeface="Calibri" pitchFamily="34" charset="0"/>
+                <a:cs typeface="Calibri" pitchFamily="34" charset="0"/>
+              </a:rPr>
+              <a:t>API</a:t>
+            </a:r>
+            <a:r>
+              <a:rPr lang="en-US" sz="1800" dirty="0" smtClean="0">
+                <a:latin typeface="Calibri" pitchFamily="34" charset="0"/>
+                <a:ea typeface="Calibri" pitchFamily="34" charset="0"/>
+                <a:cs typeface="Calibri" pitchFamily="34" charset="0"/>
+              </a:rPr>
+              <a:t>.</a:t>
             </a:r>
             <a:endParaRPr lang="en-US" sz="1800" dirty="0" smtClean="0">
               <a:latin typeface="Calibri" pitchFamily="34" charset="0"/>
